--- a/_site/images/Bayesian.pptx
+++ b/_site/images/Bayesian.pptx
@@ -3203,7 +3203,7 @@
           <a:graphicData uri="http://schemas.openxmlformats.org/presentationml/2006/ole">
             <mc:AlternateContent xmlns:mc="http://schemas.openxmlformats.org/markup-compatibility/2006">
               <mc:Choice xmlns:v="urn:schemas-microsoft-com:vml" Requires="v">
-                <p:oleObj spid="_x0000_s1029" name="Equation" r:id="rId3" imgW="368300" imgH="203200" progId="Equation.3">
+                <p:oleObj spid="_x0000_s1036" name="Equation" r:id="rId3" imgW="368300" imgH="203200" progId="Equation.3">
                   <p:embed/>
                 </p:oleObj>
               </mc:Choice>
@@ -3265,7 +3265,7 @@
           <a:graphicData uri="http://schemas.openxmlformats.org/presentationml/2006/ole">
             <mc:AlternateContent xmlns:mc="http://schemas.openxmlformats.org/markup-compatibility/2006">
               <mc:Choice xmlns:v="urn:schemas-microsoft-com:vml" Requires="v">
-                <p:oleObj spid="_x0000_s1030" name="Equation" r:id="rId5" imgW="76200" imgH="88900" progId="Equation.3">
+                <p:oleObj spid="_x0000_s1037" name="Equation" r:id="rId5" imgW="76200" imgH="88900" progId="Equation.3">
                   <p:embed/>
                 </p:oleObj>
               </mc:Choice>
@@ -3381,7 +3381,7 @@
           <a:graphicData uri="http://schemas.openxmlformats.org/presentationml/2006/ole">
             <mc:AlternateContent xmlns:mc="http://schemas.openxmlformats.org/markup-compatibility/2006">
               <mc:Choice xmlns:v="urn:schemas-microsoft-com:vml" Requires="v">
-                <p:oleObj spid="_x0000_s1031" name="Equation" r:id="rId7" imgW="571500" imgH="203200" progId="Equation.3">
+                <p:oleObj spid="_x0000_s1038" name="Equation" r:id="rId7" imgW="571500" imgH="203200" progId="Equation.3">
                   <p:embed/>
                 </p:oleObj>
               </mc:Choice>
@@ -3443,7 +3443,7 @@
           <a:graphicData uri="http://schemas.openxmlformats.org/presentationml/2006/ole">
             <mc:AlternateContent xmlns:mc="http://schemas.openxmlformats.org/markup-compatibility/2006">
               <mc:Choice xmlns:v="urn:schemas-microsoft-com:vml" Requires="v">
-                <p:oleObj spid="_x0000_s1032" name="Equation" r:id="rId9" imgW="76200" imgH="88900" progId="Equation.3">
+                <p:oleObj spid="_x0000_s1039" name="Equation" r:id="rId9" imgW="76200" imgH="88900" progId="Equation.3">
                   <p:embed/>
                 </p:oleObj>
               </mc:Choice>
@@ -3548,7 +3548,7 @@
           <a:graphicData uri="http://schemas.openxmlformats.org/presentationml/2006/ole">
             <mc:AlternateContent xmlns:mc="http://schemas.openxmlformats.org/markup-compatibility/2006">
               <mc:Choice xmlns:v="urn:schemas-microsoft-com:vml" Requires="v">
-                <p:oleObj spid="_x0000_s1033" name="Equation" r:id="rId11" imgW="76200" imgH="88900" progId="Equation.3">
+                <p:oleObj spid="_x0000_s1040" name="Equation" r:id="rId11" imgW="76200" imgH="88900" progId="Equation.3">
                   <p:embed/>
                 </p:oleObj>
               </mc:Choice>
@@ -3597,20 +3597,20 @@
           <p:nvPr>
             <p:extLst>
               <p:ext uri="{D42A27DB-BD31-4B8C-83A1-F6EECF244321}">
-                <p14:modId xmlns:p14="http://schemas.microsoft.com/office/powerpoint/2010/main" val="1942990299"/>
+                <p14:modId xmlns:p14="http://schemas.microsoft.com/office/powerpoint/2010/main" val="1374074044"/>
               </p:ext>
             </p:extLst>
           </p:nvPr>
         </p:nvGraphicFramePr>
         <p:xfrm>
-          <a:off x="4068604" y="2551368"/>
-          <a:ext cx="817773" cy="318452"/>
+          <a:off x="4067175" y="2551113"/>
+          <a:ext cx="820738" cy="319087"/>
         </p:xfrm>
         <a:graphic>
           <a:graphicData uri="http://schemas.openxmlformats.org/presentationml/2006/ole">
             <mc:AlternateContent xmlns:mc="http://schemas.openxmlformats.org/markup-compatibility/2006">
               <mc:Choice xmlns:v="urn:schemas-microsoft-com:vml" Requires="v">
-                <p:oleObj spid="_x0000_s1034" name="Equation" r:id="rId13" imgW="571500" imgH="203200" progId="Equation.3">
+                <p:oleObj spid="_x0000_s1041" name="Equation" r:id="rId13" imgW="571500" imgH="203200" progId="Equation.3">
                   <p:embed/>
                 </p:oleObj>
               </mc:Choice>
@@ -3634,8 +3634,8 @@
                     </p:blipFill>
                     <p:spPr bwMode="auto">
                       <a:xfrm>
-                        <a:off x="4068604" y="2551368"/>
-                        <a:ext cx="817773" cy="318452"/>
+                        <a:off x="4067175" y="2551113"/>
+                        <a:ext cx="820738" cy="319087"/>
                       </a:xfrm>
                       <a:prstGeom prst="rect">
                         <a:avLst/>
